--- a/Figures/perceptron.pptx
+++ b/Figures/perceptron.pptx
@@ -288,7 +288,7 @@
           <a:p>
             <a:fld id="{081DA087-9DF7-4335-9A01-2C645E811B5F}" type="datetimeFigureOut">
               <a:rPr lang="en-US" smtClean="0"/>
-              <a:t>7/8/2014</a:t>
+              <a:t>7/9/2014</a:t>
             </a:fld>
             <a:endParaRPr lang="en-US"/>
           </a:p>
@@ -458,7 +458,7 @@
           <a:p>
             <a:fld id="{081DA087-9DF7-4335-9A01-2C645E811B5F}" type="datetimeFigureOut">
               <a:rPr lang="en-US" smtClean="0"/>
-              <a:t>7/8/2014</a:t>
+              <a:t>7/9/2014</a:t>
             </a:fld>
             <a:endParaRPr lang="en-US"/>
           </a:p>
@@ -638,7 +638,7 @@
           <a:p>
             <a:fld id="{081DA087-9DF7-4335-9A01-2C645E811B5F}" type="datetimeFigureOut">
               <a:rPr lang="en-US" smtClean="0"/>
-              <a:t>7/8/2014</a:t>
+              <a:t>7/9/2014</a:t>
             </a:fld>
             <a:endParaRPr lang="en-US"/>
           </a:p>
@@ -808,7 +808,7 @@
           <a:p>
             <a:fld id="{081DA087-9DF7-4335-9A01-2C645E811B5F}" type="datetimeFigureOut">
               <a:rPr lang="en-US" smtClean="0"/>
-              <a:t>7/8/2014</a:t>
+              <a:t>7/9/2014</a:t>
             </a:fld>
             <a:endParaRPr lang="en-US"/>
           </a:p>
@@ -1054,7 +1054,7 @@
           <a:p>
             <a:fld id="{081DA087-9DF7-4335-9A01-2C645E811B5F}" type="datetimeFigureOut">
               <a:rPr lang="en-US" smtClean="0"/>
-              <a:t>7/8/2014</a:t>
+              <a:t>7/9/2014</a:t>
             </a:fld>
             <a:endParaRPr lang="en-US"/>
           </a:p>
@@ -1342,7 +1342,7 @@
           <a:p>
             <a:fld id="{081DA087-9DF7-4335-9A01-2C645E811B5F}" type="datetimeFigureOut">
               <a:rPr lang="en-US" smtClean="0"/>
-              <a:t>7/8/2014</a:t>
+              <a:t>7/9/2014</a:t>
             </a:fld>
             <a:endParaRPr lang="en-US"/>
           </a:p>
@@ -1764,7 +1764,7 @@
           <a:p>
             <a:fld id="{081DA087-9DF7-4335-9A01-2C645E811B5F}" type="datetimeFigureOut">
               <a:rPr lang="en-US" smtClean="0"/>
-              <a:t>7/8/2014</a:t>
+              <a:t>7/9/2014</a:t>
             </a:fld>
             <a:endParaRPr lang="en-US"/>
           </a:p>
@@ -1882,7 +1882,7 @@
           <a:p>
             <a:fld id="{081DA087-9DF7-4335-9A01-2C645E811B5F}" type="datetimeFigureOut">
               <a:rPr lang="en-US" smtClean="0"/>
-              <a:t>7/8/2014</a:t>
+              <a:t>7/9/2014</a:t>
             </a:fld>
             <a:endParaRPr lang="en-US"/>
           </a:p>
@@ -1977,7 +1977,7 @@
           <a:p>
             <a:fld id="{081DA087-9DF7-4335-9A01-2C645E811B5F}" type="datetimeFigureOut">
               <a:rPr lang="en-US" smtClean="0"/>
-              <a:t>7/8/2014</a:t>
+              <a:t>7/9/2014</a:t>
             </a:fld>
             <a:endParaRPr lang="en-US"/>
           </a:p>
@@ -2254,7 +2254,7 @@
           <a:p>
             <a:fld id="{081DA087-9DF7-4335-9A01-2C645E811B5F}" type="datetimeFigureOut">
               <a:rPr lang="en-US" smtClean="0"/>
-              <a:t>7/8/2014</a:t>
+              <a:t>7/9/2014</a:t>
             </a:fld>
             <a:endParaRPr lang="en-US"/>
           </a:p>
@@ -2507,7 +2507,7 @@
           <a:p>
             <a:fld id="{081DA087-9DF7-4335-9A01-2C645E811B5F}" type="datetimeFigureOut">
               <a:rPr lang="en-US" smtClean="0"/>
-              <a:t>7/8/2014</a:t>
+              <a:t>7/9/2014</a:t>
             </a:fld>
             <a:endParaRPr lang="en-US"/>
           </a:p>
@@ -2720,7 +2720,7 @@
           <a:p>
             <a:fld id="{081DA087-9DF7-4335-9A01-2C645E811B5F}" type="datetimeFigureOut">
               <a:rPr lang="en-US" smtClean="0"/>
-              <a:t>7/8/2014</a:t>
+              <a:t>7/9/2014</a:t>
             </a:fld>
             <a:endParaRPr lang="en-US"/>
           </a:p>
@@ -3586,13 +3586,14 @@
           <a:lstStyle/>
           <a:p>
             <a:r>
-              <a:rPr lang="en-US" dirty="0" smtClean="0"/>
+              <a:rPr lang="en-US" dirty="0" err="1" smtClean="0"/>
               <a:t>w</a:t>
             </a:r>
             <a:r>
-              <a:rPr lang="en-US" baseline="-25000" dirty="0" smtClean="0"/>
-              <a:t>0</a:t>
-            </a:r>
+              <a:rPr lang="en-US" baseline="-25000" dirty="0" err="1"/>
+              <a:t>n</a:t>
+            </a:r>
+            <a:endParaRPr lang="en-US" baseline="-25000" dirty="0" smtClean="0"/>
           </a:p>
         </p:txBody>
       </p:sp>
@@ -3708,13 +3709,14 @@
           <a:lstStyle/>
           <a:p>
             <a:r>
-              <a:rPr lang="en-US" dirty="0" smtClean="0"/>
+              <a:rPr lang="en-US" dirty="0" err="1" smtClean="0"/>
               <a:t>h</a:t>
             </a:r>
             <a:r>
-              <a:rPr lang="en-US" baseline="-25000" dirty="0" smtClean="0"/>
-              <a:t>0</a:t>
-            </a:r>
+              <a:rPr lang="en-US" baseline="-25000" dirty="0" err="1" smtClean="0"/>
+              <a:t>n</a:t>
+            </a:r>
+            <a:endParaRPr lang="en-US" baseline="-25000" dirty="0" smtClean="0"/>
           </a:p>
         </p:txBody>
       </p:sp>

--- a/Figures/perceptron.pptx
+++ b/Figures/perceptron.pptx
@@ -288,7 +288,7 @@
           <a:p>
             <a:fld id="{081DA087-9DF7-4335-9A01-2C645E811B5F}" type="datetimeFigureOut">
               <a:rPr lang="en-US" smtClean="0"/>
-              <a:t>7/9/2014</a:t>
+              <a:t>7/24/2014</a:t>
             </a:fld>
             <a:endParaRPr lang="en-US"/>
           </a:p>
@@ -458,7 +458,7 @@
           <a:p>
             <a:fld id="{081DA087-9DF7-4335-9A01-2C645E811B5F}" type="datetimeFigureOut">
               <a:rPr lang="en-US" smtClean="0"/>
-              <a:t>7/9/2014</a:t>
+              <a:t>7/24/2014</a:t>
             </a:fld>
             <a:endParaRPr lang="en-US"/>
           </a:p>
@@ -638,7 +638,7 @@
           <a:p>
             <a:fld id="{081DA087-9DF7-4335-9A01-2C645E811B5F}" type="datetimeFigureOut">
               <a:rPr lang="en-US" smtClean="0"/>
-              <a:t>7/9/2014</a:t>
+              <a:t>7/24/2014</a:t>
             </a:fld>
             <a:endParaRPr lang="en-US"/>
           </a:p>
@@ -808,7 +808,7 @@
           <a:p>
             <a:fld id="{081DA087-9DF7-4335-9A01-2C645E811B5F}" type="datetimeFigureOut">
               <a:rPr lang="en-US" smtClean="0"/>
-              <a:t>7/9/2014</a:t>
+              <a:t>7/24/2014</a:t>
             </a:fld>
             <a:endParaRPr lang="en-US"/>
           </a:p>
@@ -1054,7 +1054,7 @@
           <a:p>
             <a:fld id="{081DA087-9DF7-4335-9A01-2C645E811B5F}" type="datetimeFigureOut">
               <a:rPr lang="en-US" smtClean="0"/>
-              <a:t>7/9/2014</a:t>
+              <a:t>7/24/2014</a:t>
             </a:fld>
             <a:endParaRPr lang="en-US"/>
           </a:p>
@@ -1342,7 +1342,7 @@
           <a:p>
             <a:fld id="{081DA087-9DF7-4335-9A01-2C645E811B5F}" type="datetimeFigureOut">
               <a:rPr lang="en-US" smtClean="0"/>
-              <a:t>7/9/2014</a:t>
+              <a:t>7/24/2014</a:t>
             </a:fld>
             <a:endParaRPr lang="en-US"/>
           </a:p>
@@ -1764,7 +1764,7 @@
           <a:p>
             <a:fld id="{081DA087-9DF7-4335-9A01-2C645E811B5F}" type="datetimeFigureOut">
               <a:rPr lang="en-US" smtClean="0"/>
-              <a:t>7/9/2014</a:t>
+              <a:t>7/24/2014</a:t>
             </a:fld>
             <a:endParaRPr lang="en-US"/>
           </a:p>
@@ -1882,7 +1882,7 @@
           <a:p>
             <a:fld id="{081DA087-9DF7-4335-9A01-2C645E811B5F}" type="datetimeFigureOut">
               <a:rPr lang="en-US" smtClean="0"/>
-              <a:t>7/9/2014</a:t>
+              <a:t>7/24/2014</a:t>
             </a:fld>
             <a:endParaRPr lang="en-US"/>
           </a:p>
@@ -1977,7 +1977,7 @@
           <a:p>
             <a:fld id="{081DA087-9DF7-4335-9A01-2C645E811B5F}" type="datetimeFigureOut">
               <a:rPr lang="en-US" smtClean="0"/>
-              <a:t>7/9/2014</a:t>
+              <a:t>7/24/2014</a:t>
             </a:fld>
             <a:endParaRPr lang="en-US"/>
           </a:p>
@@ -2254,7 +2254,7 @@
           <a:p>
             <a:fld id="{081DA087-9DF7-4335-9A01-2C645E811B5F}" type="datetimeFigureOut">
               <a:rPr lang="en-US" smtClean="0"/>
-              <a:t>7/9/2014</a:t>
+              <a:t>7/24/2014</a:t>
             </a:fld>
             <a:endParaRPr lang="en-US"/>
           </a:p>
@@ -2507,7 +2507,7 @@
           <a:p>
             <a:fld id="{081DA087-9DF7-4335-9A01-2C645E811B5F}" type="datetimeFigureOut">
               <a:rPr lang="en-US" smtClean="0"/>
-              <a:t>7/9/2014</a:t>
+              <a:t>7/24/2014</a:t>
             </a:fld>
             <a:endParaRPr lang="en-US"/>
           </a:p>
@@ -2720,7 +2720,7 @@
           <a:p>
             <a:fld id="{081DA087-9DF7-4335-9A01-2C645E811B5F}" type="datetimeFigureOut">
               <a:rPr lang="en-US" smtClean="0"/>
-              <a:t>7/9/2014</a:t>
+              <a:t>7/24/2014</a:t>
             </a:fld>
             <a:endParaRPr lang="en-US"/>
           </a:p>
@@ -3477,13 +3477,14 @@
           <a:lstStyle/>
           <a:p>
             <a:r>
-              <a:rPr lang="en-US" dirty="0" smtClean="0"/>
-              <a:t>h</a:t>
+              <a:rPr lang="en-US" dirty="0"/>
+              <a:t>G</a:t>
             </a:r>
             <a:r>
               <a:rPr lang="en-US" baseline="-25000" dirty="0" smtClean="0"/>
               <a:t>0</a:t>
             </a:r>
+            <a:endParaRPr lang="en-US" baseline="-25000" dirty="0" smtClean="0"/>
           </a:p>
         </p:txBody>
       </p:sp>
@@ -3591,7 +3592,7 @@
             </a:r>
             <a:r>
               <a:rPr lang="en-US" baseline="-25000" dirty="0" err="1"/>
-              <a:t>n</a:t>
+              <a:t>h</a:t>
             </a:r>
             <a:endParaRPr lang="en-US" baseline="-25000" dirty="0" smtClean="0"/>
           </a:p>
@@ -3710,11 +3711,11 @@
           <a:p>
             <a:r>
               <a:rPr lang="en-US" dirty="0" err="1" smtClean="0"/>
+              <a:t>G</a:t>
+            </a:r>
+            <a:r>
+              <a:rPr lang="en-US" baseline="-25000" dirty="0" err="1" smtClean="0"/>
               <a:t>h</a:t>
-            </a:r>
-            <a:r>
-              <a:rPr lang="en-US" baseline="-25000" dirty="0" err="1" smtClean="0"/>
-              <a:t>n</a:t>
             </a:r>
             <a:endParaRPr lang="en-US" baseline="-25000" dirty="0" smtClean="0"/>
           </a:p>
